--- a/WORDS/курсовая преза.pptx
+++ b/WORDS/курсовая преза.pptx
@@ -10391,6 +10391,15 @@
 </file>
 
 <file path=customXml/item2.xml><?xml version="1.0" encoding="utf-8"?>
+<?mso-contentType ?>
+<FormTemplates xmlns="http://schemas.microsoft.com/sharepoint/v3/contenttype/forms">
+  <Display>DocumentLibraryForm</Display>
+  <Edit>DocumentLibraryForm</Edit>
+  <New>DocumentLibraryForm</New>
+</FormTemplates>
+</file>
+
+<file path=customXml/item3.xml><?xml version="1.0" encoding="utf-8"?>
 <p:properties xmlns:p="http://schemas.microsoft.com/office/2006/metadata/properties" xmlns:xsi="http://www.w3.org/2001/XMLSchema-instance" xmlns:pc="http://schemas.microsoft.com/office/infopath/2007/PartnerControls">
   <documentManagement>
     <lcf76f155ced4ddcb4097134ff3c332f xmlns="31348c50-4831-40d6-b1fe-33df22aaece1">
@@ -10399,15 +10408,6 @@
     <TaxCatchAll xmlns="8fcf9416-4c9d-432a-8cd1-358b0ba3c56e" xsi:nil="true"/>
   </documentManagement>
 </p:properties>
-</file>
-
-<file path=customXml/item3.xml><?xml version="1.0" encoding="utf-8"?>
-<?mso-contentType ?>
-<FormTemplates xmlns="http://schemas.microsoft.com/sharepoint/v3/contenttype/forms">
-  <Display>DocumentLibraryForm</Display>
-  <Edit>DocumentLibraryForm</Edit>
-  <New>DocumentLibraryForm</New>
-</FormTemplates>
 </file>
 
 <file path=customXml/itemProps1.xml><?xml version="1.0" encoding="utf-8"?>
@@ -10430,6 +10430,14 @@
 </file>
 
 <file path=customXml/itemProps2.xml><?xml version="1.0" encoding="utf-8"?>
+<ds:datastoreItem xmlns:ds="http://schemas.openxmlformats.org/officeDocument/2006/customXml" ds:itemID="{0C6572ED-F221-4FBB-AA47-348FA0A96BFD}">
+  <ds:schemaRefs>
+    <ds:schemaRef ds:uri="http://schemas.microsoft.com/sharepoint/v3/contenttype/forms"/>
+  </ds:schemaRefs>
+</ds:datastoreItem>
+</file>
+
+<file path=customXml/itemProps3.xml><?xml version="1.0" encoding="utf-8"?>
 <ds:datastoreItem xmlns:ds="http://schemas.openxmlformats.org/officeDocument/2006/customXml" ds:itemID="{DB16C309-910A-45C7-874E-1083F6DC6EB3}">
   <ds:schemaRefs>
     <ds:schemaRef ds:uri="http://schemas.microsoft.com/office/2006/metadata/properties"/>
@@ -10438,12 +10446,4 @@
     <ds:schemaRef ds:uri="8fcf9416-4c9d-432a-8cd1-358b0ba3c56e"/>
   </ds:schemaRefs>
 </ds:datastoreItem>
-</file>
-
-<file path=customXml/itemProps3.xml><?xml version="1.0" encoding="utf-8"?>
-<ds:datastoreItem xmlns:ds="http://schemas.openxmlformats.org/officeDocument/2006/customXml" ds:itemID="{0C6572ED-F221-4FBB-AA47-348FA0A96BFD}">
-  <ds:schemaRefs>
-    <ds:schemaRef ds:uri="http://schemas.microsoft.com/sharepoint/v3/contenttype/forms"/>
-  </ds:schemaRefs>
-</ds:datastoreItem>
 </file>